--- a/resource/powerpoint_edit/星梦联合早期珍贵资料.pptx
+++ b/resource/powerpoint_edit/星梦联合早期珍贵资料.pptx
@@ -104,6 +104,11 @@
       </a:defRPr>
     </a:lvl9pPr>
   </p:defaultTextStyle>
+  <p:extLst>
+    <p:ext uri="{EFAFB233-063F-42B5-8137-9DF3F51BA10A}">
+      <p15:sldGuideLst xmlns:p15="http://schemas.microsoft.com/office/powerpoint/2012/main"/>
+    </p:ext>
+  </p:extLst>
 </p:presentation>
 </file>
 
@@ -254,7 +259,7 @@
           <a:p>
             <a:fld id="{0021258B-F56E-44D1-9006-B95F3D9271AB}" type="datetimeFigureOut">
               <a:rPr lang="zh-CN" altLang="en-US" smtClean="0"/>
-              <a:t>2021/7/2</a:t>
+              <a:t>2021/7/18</a:t>
             </a:fld>
             <a:endParaRPr lang="zh-CN" altLang="en-US"/>
           </a:p>
@@ -452,7 +457,7 @@
           <a:p>
             <a:fld id="{0021258B-F56E-44D1-9006-B95F3D9271AB}" type="datetimeFigureOut">
               <a:rPr lang="zh-CN" altLang="en-US" smtClean="0"/>
-              <a:t>2021/7/2</a:t>
+              <a:t>2021/7/18</a:t>
             </a:fld>
             <a:endParaRPr lang="zh-CN" altLang="en-US"/>
           </a:p>
@@ -660,7 +665,7 @@
           <a:p>
             <a:fld id="{0021258B-F56E-44D1-9006-B95F3D9271AB}" type="datetimeFigureOut">
               <a:rPr lang="zh-CN" altLang="en-US" smtClean="0"/>
-              <a:t>2021/7/2</a:t>
+              <a:t>2021/7/18</a:t>
             </a:fld>
             <a:endParaRPr lang="zh-CN" altLang="en-US"/>
           </a:p>
@@ -858,7 +863,7 @@
           <a:p>
             <a:fld id="{0021258B-F56E-44D1-9006-B95F3D9271AB}" type="datetimeFigureOut">
               <a:rPr lang="zh-CN" altLang="en-US" smtClean="0"/>
-              <a:t>2021/7/2</a:t>
+              <a:t>2021/7/18</a:t>
             </a:fld>
             <a:endParaRPr lang="zh-CN" altLang="en-US"/>
           </a:p>
@@ -1133,7 +1138,7 @@
           <a:p>
             <a:fld id="{0021258B-F56E-44D1-9006-B95F3D9271AB}" type="datetimeFigureOut">
               <a:rPr lang="zh-CN" altLang="en-US" smtClean="0"/>
-              <a:t>2021/7/2</a:t>
+              <a:t>2021/7/18</a:t>
             </a:fld>
             <a:endParaRPr lang="zh-CN" altLang="en-US"/>
           </a:p>
@@ -1398,7 +1403,7 @@
           <a:p>
             <a:fld id="{0021258B-F56E-44D1-9006-B95F3D9271AB}" type="datetimeFigureOut">
               <a:rPr lang="zh-CN" altLang="en-US" smtClean="0"/>
-              <a:t>2021/7/2</a:t>
+              <a:t>2021/7/18</a:t>
             </a:fld>
             <a:endParaRPr lang="zh-CN" altLang="en-US"/>
           </a:p>
@@ -1810,7 +1815,7 @@
           <a:p>
             <a:fld id="{0021258B-F56E-44D1-9006-B95F3D9271AB}" type="datetimeFigureOut">
               <a:rPr lang="zh-CN" altLang="en-US" smtClean="0"/>
-              <a:t>2021/7/2</a:t>
+              <a:t>2021/7/18</a:t>
             </a:fld>
             <a:endParaRPr lang="zh-CN" altLang="en-US"/>
           </a:p>
@@ -1951,7 +1956,7 @@
           <a:p>
             <a:fld id="{0021258B-F56E-44D1-9006-B95F3D9271AB}" type="datetimeFigureOut">
               <a:rPr lang="zh-CN" altLang="en-US" smtClean="0"/>
-              <a:t>2021/7/2</a:t>
+              <a:t>2021/7/18</a:t>
             </a:fld>
             <a:endParaRPr lang="zh-CN" altLang="en-US"/>
           </a:p>
@@ -2064,7 +2069,7 @@
           <a:p>
             <a:fld id="{0021258B-F56E-44D1-9006-B95F3D9271AB}" type="datetimeFigureOut">
               <a:rPr lang="zh-CN" altLang="en-US" smtClean="0"/>
-              <a:t>2021/7/2</a:t>
+              <a:t>2021/7/18</a:t>
             </a:fld>
             <a:endParaRPr lang="zh-CN" altLang="en-US"/>
           </a:p>
@@ -2375,7 +2380,7 @@
           <a:p>
             <a:fld id="{0021258B-F56E-44D1-9006-B95F3D9271AB}" type="datetimeFigureOut">
               <a:rPr lang="zh-CN" altLang="en-US" smtClean="0"/>
-              <a:t>2021/7/2</a:t>
+              <a:t>2021/7/18</a:t>
             </a:fld>
             <a:endParaRPr lang="zh-CN" altLang="en-US"/>
           </a:p>
@@ -2663,7 +2668,7 @@
           <a:p>
             <a:fld id="{0021258B-F56E-44D1-9006-B95F3D9271AB}" type="datetimeFigureOut">
               <a:rPr lang="zh-CN" altLang="en-US" smtClean="0"/>
-              <a:t>2021/7/2</a:t>
+              <a:t>2021/7/18</a:t>
             </a:fld>
             <a:endParaRPr lang="zh-CN" altLang="en-US"/>
           </a:p>
@@ -2904,7 +2909,7 @@
           <a:p>
             <a:fld id="{0021258B-F56E-44D1-9006-B95F3D9271AB}" type="datetimeFigureOut">
               <a:rPr lang="zh-CN" altLang="en-US" smtClean="0"/>
-              <a:t>2021/7/2</a:t>
+              <a:t>2021/7/18</a:t>
             </a:fld>
             <a:endParaRPr lang="zh-CN" altLang="en-US"/>
           </a:p>
@@ -4864,6 +4869,864 @@
           </a:p>
         </p:txBody>
       </p:sp>
+      <p:grpSp>
+        <p:nvGrpSpPr>
+          <p:cNvPr id="22" name="组合 21">
+            <a:extLst>
+              <a:ext uri="{FF2B5EF4-FFF2-40B4-BE49-F238E27FC236}">
+                <a16:creationId xmlns:a16="http://schemas.microsoft.com/office/drawing/2014/main" id="{53CFD89F-C8C3-421D-8C87-BFB920591E54}"/>
+              </a:ext>
+            </a:extLst>
+          </p:cNvPr>
+          <p:cNvGrpSpPr/>
+          <p:nvPr/>
+        </p:nvGrpSpPr>
+        <p:grpSpPr>
+          <a:xfrm>
+            <a:off x="7345611" y="1526002"/>
+            <a:ext cx="1652203" cy="1080000"/>
+            <a:chOff x="4130040" y="1592580"/>
+            <a:chExt cx="1652203" cy="1080000"/>
+          </a:xfrm>
+        </p:grpSpPr>
+        <p:sp>
+          <p:nvSpPr>
+            <p:cNvPr id="23" name="任意多边形: 形状 22">
+              <a:extLst>
+                <a:ext uri="{FF2B5EF4-FFF2-40B4-BE49-F238E27FC236}">
+                  <a16:creationId xmlns:a16="http://schemas.microsoft.com/office/drawing/2014/main" id="{96353116-47C4-45D9-8834-1F4094AF264A}"/>
+                </a:ext>
+              </a:extLst>
+            </p:cNvPr>
+            <p:cNvSpPr>
+              <a:spLocks noChangeAspect="1"/>
+            </p:cNvSpPr>
+            <p:nvPr/>
+          </p:nvSpPr>
+          <p:spPr>
+            <a:xfrm>
+              <a:off x="4517641" y="1708038"/>
+              <a:ext cx="1264602" cy="720000"/>
+            </a:xfrm>
+            <a:custGeom>
+              <a:avLst/>
+              <a:gdLst>
+                <a:gd name="connsiteX0" fmla="*/ 689427 w 802774"/>
+                <a:gd name="connsiteY0" fmla="*/ 227507 h 457059"/>
+                <a:gd name="connsiteX1" fmla="*/ 679902 w 802774"/>
+                <a:gd name="connsiteY1" fmla="*/ 227507 h 457059"/>
+                <a:gd name="connsiteX2" fmla="*/ 679902 w 802774"/>
+                <a:gd name="connsiteY2" fmla="*/ 227507 h 457059"/>
+                <a:gd name="connsiteX3" fmla="*/ 619895 w 802774"/>
+                <a:gd name="connsiteY3" fmla="*/ 111302 h 457059"/>
+                <a:gd name="connsiteX4" fmla="*/ 489403 w 802774"/>
+                <a:gd name="connsiteY4" fmla="*/ 93204 h 457059"/>
+                <a:gd name="connsiteX5" fmla="*/ 296998 w 802774"/>
+                <a:gd name="connsiteY5" fmla="*/ 4622 h 457059"/>
+                <a:gd name="connsiteX6" fmla="*/ 165552 w 802774"/>
+                <a:gd name="connsiteY6" fmla="*/ 170357 h 457059"/>
+                <a:gd name="connsiteX7" fmla="*/ 165552 w 802774"/>
+                <a:gd name="connsiteY7" fmla="*/ 172262 h 457059"/>
+                <a:gd name="connsiteX8" fmla="*/ 28392 w 802774"/>
+                <a:gd name="connsiteY8" fmla="*/ 227507 h 457059"/>
+                <a:gd name="connsiteX9" fmla="*/ 13152 w 802774"/>
+                <a:gd name="connsiteY9" fmla="*/ 374192 h 457059"/>
+                <a:gd name="connsiteX10" fmla="*/ 136025 w 802774"/>
+                <a:gd name="connsiteY10" fmla="*/ 456107 h 457059"/>
+                <a:gd name="connsiteX11" fmla="*/ 136025 w 802774"/>
+                <a:gd name="connsiteY11" fmla="*/ 457059 h 457059"/>
+                <a:gd name="connsiteX12" fmla="*/ 688475 w 802774"/>
+                <a:gd name="connsiteY12" fmla="*/ 457059 h 457059"/>
+                <a:gd name="connsiteX13" fmla="*/ 802775 w 802774"/>
+                <a:gd name="connsiteY13" fmla="*/ 342759 h 457059"/>
+                <a:gd name="connsiteX14" fmla="*/ 689427 w 802774"/>
+                <a:gd name="connsiteY14" fmla="*/ 227507 h 457059"/>
+              </a:gdLst>
+              <a:ahLst/>
+              <a:cxnLst>
+                <a:cxn ang="0">
+                  <a:pos x="connsiteX0" y="connsiteY0"/>
+                </a:cxn>
+                <a:cxn ang="0">
+                  <a:pos x="connsiteX1" y="connsiteY1"/>
+                </a:cxn>
+                <a:cxn ang="0">
+                  <a:pos x="connsiteX2" y="connsiteY2"/>
+                </a:cxn>
+                <a:cxn ang="0">
+                  <a:pos x="connsiteX3" y="connsiteY3"/>
+                </a:cxn>
+                <a:cxn ang="0">
+                  <a:pos x="connsiteX4" y="connsiteY4"/>
+                </a:cxn>
+                <a:cxn ang="0">
+                  <a:pos x="connsiteX5" y="connsiteY5"/>
+                </a:cxn>
+                <a:cxn ang="0">
+                  <a:pos x="connsiteX6" y="connsiteY6"/>
+                </a:cxn>
+                <a:cxn ang="0">
+                  <a:pos x="connsiteX7" y="connsiteY7"/>
+                </a:cxn>
+                <a:cxn ang="0">
+                  <a:pos x="connsiteX8" y="connsiteY8"/>
+                </a:cxn>
+                <a:cxn ang="0">
+                  <a:pos x="connsiteX9" y="connsiteY9"/>
+                </a:cxn>
+                <a:cxn ang="0">
+                  <a:pos x="connsiteX10" y="connsiteY10"/>
+                </a:cxn>
+                <a:cxn ang="0">
+                  <a:pos x="connsiteX11" y="connsiteY11"/>
+                </a:cxn>
+                <a:cxn ang="0">
+                  <a:pos x="connsiteX12" y="connsiteY12"/>
+                </a:cxn>
+                <a:cxn ang="0">
+                  <a:pos x="connsiteX13" y="connsiteY13"/>
+                </a:cxn>
+                <a:cxn ang="0">
+                  <a:pos x="connsiteX14" y="connsiteY14"/>
+                </a:cxn>
+              </a:cxnLst>
+              <a:rect l="l" t="t" r="r" b="b"/>
+              <a:pathLst>
+                <a:path w="802774" h="457059">
+                  <a:moveTo>
+                    <a:pt x="689427" y="227507"/>
+                  </a:moveTo>
+                  <a:cubicBezTo>
+                    <a:pt x="686570" y="227507"/>
+                    <a:pt x="682760" y="227507"/>
+                    <a:pt x="679902" y="227507"/>
+                  </a:cubicBezTo>
+                  <a:cubicBezTo>
+                    <a:pt x="679902" y="227507"/>
+                    <a:pt x="679902" y="227507"/>
+                    <a:pt x="679902" y="227507"/>
+                  </a:cubicBezTo>
+                  <a:cubicBezTo>
+                    <a:pt x="679902" y="180834"/>
+                    <a:pt x="657043" y="137972"/>
+                    <a:pt x="619895" y="111302"/>
+                  </a:cubicBezTo>
+                  <a:cubicBezTo>
+                    <a:pt x="581795" y="84632"/>
+                    <a:pt x="533218" y="77964"/>
+                    <a:pt x="489403" y="93204"/>
+                  </a:cubicBezTo>
+                  <a:cubicBezTo>
+                    <a:pt x="453208" y="22719"/>
+                    <a:pt x="373198" y="-13476"/>
+                    <a:pt x="296998" y="4622"/>
+                  </a:cubicBezTo>
+                  <a:cubicBezTo>
+                    <a:pt x="220797" y="22719"/>
+                    <a:pt x="165552" y="91299"/>
+                    <a:pt x="165552" y="170357"/>
+                  </a:cubicBezTo>
+                  <a:cubicBezTo>
+                    <a:pt x="165552" y="170357"/>
+                    <a:pt x="165552" y="171309"/>
+                    <a:pt x="165552" y="172262"/>
+                  </a:cubicBezTo>
+                  <a:cubicBezTo>
+                    <a:pt x="113165" y="163689"/>
+                    <a:pt x="60777" y="185597"/>
+                    <a:pt x="28392" y="227507"/>
+                  </a:cubicBezTo>
+                  <a:cubicBezTo>
+                    <a:pt x="-3040" y="270369"/>
+                    <a:pt x="-8755" y="326567"/>
+                    <a:pt x="13152" y="374192"/>
+                  </a:cubicBezTo>
+                  <a:cubicBezTo>
+                    <a:pt x="36012" y="421817"/>
+                    <a:pt x="83637" y="453249"/>
+                    <a:pt x="136025" y="456107"/>
+                  </a:cubicBezTo>
+                  <a:lnTo>
+                    <a:pt x="136025" y="457059"/>
+                  </a:lnTo>
+                  <a:lnTo>
+                    <a:pt x="688475" y="457059"/>
+                  </a:lnTo>
+                  <a:cubicBezTo>
+                    <a:pt x="751340" y="457059"/>
+                    <a:pt x="802775" y="405624"/>
+                    <a:pt x="802775" y="342759"/>
+                  </a:cubicBezTo>
+                  <a:cubicBezTo>
+                    <a:pt x="802775" y="279894"/>
+                    <a:pt x="752293" y="227507"/>
+                    <a:pt x="689427" y="227507"/>
+                  </a:cubicBezTo>
+                  <a:close/>
+                </a:path>
+              </a:pathLst>
+            </a:custGeom>
+            <a:solidFill>
+              <a:schemeClr val="bg1"/>
+            </a:solidFill>
+            <a:ln w="19050" cap="flat">
+              <a:solidFill>
+                <a:schemeClr val="tx1"/>
+              </a:solidFill>
+              <a:prstDash val="solid"/>
+              <a:miter/>
+            </a:ln>
+          </p:spPr>
+          <p:txBody>
+            <a:bodyPr rot="0" spcFirstLastPara="0" vertOverflow="overflow" horzOverflow="overflow" vert="horz" wrap="square" lIns="91440" tIns="45720" rIns="91440" bIns="45720" numCol="1" spcCol="0" rtlCol="0" fromWordArt="0" anchor="ctr" anchorCtr="0" forceAA="0" compatLnSpc="1">
+              <a:prstTxWarp prst="textNoShape">
+                <a:avLst/>
+              </a:prstTxWarp>
+              <a:noAutofit/>
+            </a:bodyPr>
+            <a:lstStyle/>
+            <a:p>
+              <a:endParaRPr lang="zh-CN" altLang="en-US"/>
+            </a:p>
+          </p:txBody>
+        </p:sp>
+        <p:sp>
+          <p:nvSpPr>
+            <p:cNvPr id="24" name="星形: 五角 23">
+              <a:extLst>
+                <a:ext uri="{FF2B5EF4-FFF2-40B4-BE49-F238E27FC236}">
+                  <a16:creationId xmlns:a16="http://schemas.microsoft.com/office/drawing/2014/main" id="{9161D0E0-B006-4226-8C52-20B357D78ECA}"/>
+                </a:ext>
+              </a:extLst>
+            </p:cNvPr>
+            <p:cNvSpPr>
+              <a:spLocks noChangeAspect="1"/>
+            </p:cNvSpPr>
+            <p:nvPr/>
+          </p:nvSpPr>
+          <p:spPr>
+            <a:xfrm>
+              <a:off x="4130040" y="1592580"/>
+              <a:ext cx="1080000" cy="1080000"/>
+            </a:xfrm>
+            <a:prstGeom prst="star5">
+              <a:avLst/>
+            </a:prstGeom>
+            <a:solidFill>
+              <a:schemeClr val="bg1"/>
+            </a:solidFill>
+            <a:ln w="19050" cap="flat">
+              <a:solidFill>
+                <a:schemeClr val="tx1"/>
+              </a:solidFill>
+              <a:prstDash val="solid"/>
+              <a:miter/>
+            </a:ln>
+          </p:spPr>
+          <p:txBody>
+            <a:bodyPr rot="0" spcFirstLastPara="0" vertOverflow="overflow" horzOverflow="overflow" vert="horz" wrap="square" lIns="91440" tIns="45720" rIns="91440" bIns="45720" numCol="1" spcCol="0" rtlCol="0" fromWordArt="0" anchor="ctr" anchorCtr="0" forceAA="0" compatLnSpc="1">
+              <a:prstTxWarp prst="textNoShape">
+                <a:avLst/>
+              </a:prstTxWarp>
+              <a:noAutofit/>
+            </a:bodyPr>
+            <a:lstStyle/>
+            <a:p>
+              <a:endParaRPr lang="zh-CN" altLang="en-US">
+                <a:solidFill>
+                  <a:schemeClr val="tx1"/>
+                </a:solidFill>
+              </a:endParaRPr>
+            </a:p>
+          </p:txBody>
+        </p:sp>
+      </p:grpSp>
+      <p:sp>
+        <p:nvSpPr>
+          <p:cNvPr id="25" name="文本框 24">
+            <a:extLst>
+              <a:ext uri="{FF2B5EF4-FFF2-40B4-BE49-F238E27FC236}">
+                <a16:creationId xmlns:a16="http://schemas.microsoft.com/office/drawing/2014/main" id="{EB313388-780F-491E-B046-3F22FF24219D}"/>
+              </a:ext>
+            </a:extLst>
+          </p:cNvPr>
+          <p:cNvSpPr txBox="1"/>
+          <p:nvPr/>
+        </p:nvSpPr>
+        <p:spPr>
+          <a:xfrm>
+            <a:off x="7612925" y="2640371"/>
+            <a:ext cx="1251495" cy="175803"/>
+          </a:xfrm>
+          <a:custGeom>
+            <a:avLst/>
+            <a:gdLst/>
+            <a:ahLst/>
+            <a:cxnLst/>
+            <a:rect l="l" t="t" r="r" b="b"/>
+            <a:pathLst>
+              <a:path w="1251495" h="175803">
+                <a:moveTo>
+                  <a:pt x="1072418" y="40184"/>
+                </a:moveTo>
+                <a:lnTo>
+                  <a:pt x="1056344" y="101464"/>
+                </a:lnTo>
+                <a:lnTo>
+                  <a:pt x="1090500" y="101464"/>
+                </a:lnTo>
+                <a:lnTo>
+                  <a:pt x="1074427" y="40184"/>
+                </a:lnTo>
+                <a:close/>
+                <a:moveTo>
+                  <a:pt x="310418" y="40184"/>
+                </a:moveTo>
+                <a:lnTo>
+                  <a:pt x="294344" y="101464"/>
+                </a:lnTo>
+                <a:lnTo>
+                  <a:pt x="328500" y="101464"/>
+                </a:lnTo>
+                <a:lnTo>
+                  <a:pt x="312427" y="40184"/>
+                </a:lnTo>
+                <a:close/>
+                <a:moveTo>
+                  <a:pt x="787114" y="21097"/>
+                </a:moveTo>
+                <a:lnTo>
+                  <a:pt x="787114" y="80367"/>
+                </a:lnTo>
+                <a:lnTo>
+                  <a:pt x="815243" y="80367"/>
+                </a:lnTo>
+                <a:cubicBezTo>
+                  <a:pt x="823279" y="80367"/>
+                  <a:pt x="830312" y="78191"/>
+                  <a:pt x="836339" y="73837"/>
+                </a:cubicBezTo>
+                <a:cubicBezTo>
+                  <a:pt x="842367" y="69484"/>
+                  <a:pt x="845380" y="61950"/>
+                  <a:pt x="845380" y="51234"/>
+                </a:cubicBezTo>
+                <a:cubicBezTo>
+                  <a:pt x="845380" y="41858"/>
+                  <a:pt x="842534" y="34491"/>
+                  <a:pt x="836841" y="29133"/>
+                </a:cubicBezTo>
+                <a:cubicBezTo>
+                  <a:pt x="831149" y="23775"/>
+                  <a:pt x="821940" y="21097"/>
+                  <a:pt x="809215" y="21097"/>
+                </a:cubicBezTo>
+                <a:close/>
+                <a:moveTo>
+                  <a:pt x="663289" y="21097"/>
+                </a:moveTo>
+                <a:lnTo>
+                  <a:pt x="663289" y="154707"/>
+                </a:lnTo>
+                <a:lnTo>
+                  <a:pt x="674340" y="154707"/>
+                </a:lnTo>
+                <a:cubicBezTo>
+                  <a:pt x="690413" y="154707"/>
+                  <a:pt x="702468" y="149851"/>
+                  <a:pt x="710505" y="140140"/>
+                </a:cubicBezTo>
+                <a:cubicBezTo>
+                  <a:pt x="718542" y="130429"/>
+                  <a:pt x="722560" y="113184"/>
+                  <a:pt x="722560" y="88404"/>
+                </a:cubicBezTo>
+                <a:cubicBezTo>
+                  <a:pt x="722560" y="63624"/>
+                  <a:pt x="718542" y="46211"/>
+                  <a:pt x="710505" y="36165"/>
+                </a:cubicBezTo>
+                <a:cubicBezTo>
+                  <a:pt x="702468" y="26119"/>
+                  <a:pt x="690413" y="21097"/>
+                  <a:pt x="674340" y="21097"/>
+                </a:cubicBezTo>
+                <a:close/>
+                <a:moveTo>
+                  <a:pt x="406114" y="21097"/>
+                </a:moveTo>
+                <a:lnTo>
+                  <a:pt x="406114" y="80367"/>
+                </a:lnTo>
+                <a:lnTo>
+                  <a:pt x="434243" y="80367"/>
+                </a:lnTo>
+                <a:cubicBezTo>
+                  <a:pt x="442280" y="80367"/>
+                  <a:pt x="449312" y="78191"/>
+                  <a:pt x="455339" y="73837"/>
+                </a:cubicBezTo>
+                <a:cubicBezTo>
+                  <a:pt x="461367" y="69484"/>
+                  <a:pt x="464381" y="61950"/>
+                  <a:pt x="464381" y="51234"/>
+                </a:cubicBezTo>
+                <a:cubicBezTo>
+                  <a:pt x="464381" y="41858"/>
+                  <a:pt x="461534" y="34491"/>
+                  <a:pt x="455841" y="29133"/>
+                </a:cubicBezTo>
+                <a:cubicBezTo>
+                  <a:pt x="450149" y="23775"/>
+                  <a:pt x="440940" y="21097"/>
+                  <a:pt x="428215" y="21097"/>
+                </a:cubicBezTo>
+                <a:close/>
+                <a:moveTo>
+                  <a:pt x="1143000" y="2009"/>
+                </a:moveTo>
+                <a:lnTo>
+                  <a:pt x="1174142" y="2009"/>
+                </a:lnTo>
+                <a:lnTo>
+                  <a:pt x="1196243" y="115528"/>
+                </a:lnTo>
+                <a:lnTo>
+                  <a:pt x="1198252" y="115528"/>
+                </a:lnTo>
+                <a:lnTo>
+                  <a:pt x="1220353" y="2009"/>
+                </a:lnTo>
+                <a:lnTo>
+                  <a:pt x="1251495" y="2009"/>
+                </a:lnTo>
+                <a:lnTo>
+                  <a:pt x="1251495" y="173794"/>
+                </a:lnTo>
+                <a:lnTo>
+                  <a:pt x="1231403" y="173794"/>
+                </a:lnTo>
+                <a:lnTo>
+                  <a:pt x="1231403" y="51234"/>
+                </a:lnTo>
+                <a:lnTo>
+                  <a:pt x="1229394" y="51234"/>
+                </a:lnTo>
+                <a:lnTo>
+                  <a:pt x="1205284" y="173794"/>
+                </a:lnTo>
+                <a:lnTo>
+                  <a:pt x="1189211" y="173794"/>
+                </a:lnTo>
+                <a:lnTo>
+                  <a:pt x="1165101" y="51234"/>
+                </a:lnTo>
+                <a:lnTo>
+                  <a:pt x="1163091" y="51234"/>
+                </a:lnTo>
+                <a:lnTo>
+                  <a:pt x="1163091" y="173794"/>
+                </a:lnTo>
+                <a:lnTo>
+                  <a:pt x="1143000" y="173794"/>
+                </a:lnTo>
+                <a:close/>
+                <a:moveTo>
+                  <a:pt x="900372" y="2009"/>
+                </a:moveTo>
+                <a:lnTo>
+                  <a:pt x="997818" y="2009"/>
+                </a:lnTo>
+                <a:lnTo>
+                  <a:pt x="997818" y="21097"/>
+                </a:lnTo>
+                <a:lnTo>
+                  <a:pt x="923478" y="21097"/>
+                </a:lnTo>
+                <a:lnTo>
+                  <a:pt x="923478" y="74340"/>
+                </a:lnTo>
+                <a:lnTo>
+                  <a:pt x="991790" y="74340"/>
+                </a:lnTo>
+                <a:lnTo>
+                  <a:pt x="991790" y="93427"/>
+                </a:lnTo>
+                <a:lnTo>
+                  <a:pt x="923478" y="93427"/>
+                </a:lnTo>
+                <a:lnTo>
+                  <a:pt x="923478" y="154707"/>
+                </a:lnTo>
+                <a:lnTo>
+                  <a:pt x="1002841" y="154707"/>
+                </a:lnTo>
+                <a:lnTo>
+                  <a:pt x="1002841" y="173794"/>
+                </a:lnTo>
+                <a:lnTo>
+                  <a:pt x="900372" y="173794"/>
+                </a:lnTo>
+                <a:close/>
+                <a:moveTo>
+                  <a:pt x="764009" y="2009"/>
+                </a:moveTo>
+                <a:lnTo>
+                  <a:pt x="814238" y="2009"/>
+                </a:lnTo>
+                <a:cubicBezTo>
+                  <a:pt x="830312" y="2009"/>
+                  <a:pt x="843371" y="5860"/>
+                  <a:pt x="853417" y="13562"/>
+                </a:cubicBezTo>
+                <a:cubicBezTo>
+                  <a:pt x="863463" y="21264"/>
+                  <a:pt x="868486" y="33821"/>
+                  <a:pt x="868486" y="51234"/>
+                </a:cubicBezTo>
+                <a:cubicBezTo>
+                  <a:pt x="868486" y="64629"/>
+                  <a:pt x="865137" y="75010"/>
+                  <a:pt x="858440" y="82377"/>
+                </a:cubicBezTo>
+                <a:cubicBezTo>
+                  <a:pt x="851743" y="89743"/>
+                  <a:pt x="844041" y="94432"/>
+                  <a:pt x="835335" y="96441"/>
+                </a:cubicBezTo>
+                <a:lnTo>
+                  <a:pt x="873509" y="173794"/>
+                </a:lnTo>
+                <a:lnTo>
+                  <a:pt x="849399" y="173794"/>
+                </a:lnTo>
+                <a:lnTo>
+                  <a:pt x="813234" y="99455"/>
+                </a:lnTo>
+                <a:lnTo>
+                  <a:pt x="787114" y="99455"/>
+                </a:lnTo>
+                <a:lnTo>
+                  <a:pt x="787114" y="173794"/>
+                </a:lnTo>
+                <a:lnTo>
+                  <a:pt x="764009" y="173794"/>
+                </a:lnTo>
+                <a:close/>
+                <a:moveTo>
+                  <a:pt x="640184" y="2009"/>
+                </a:moveTo>
+                <a:lnTo>
+                  <a:pt x="674340" y="2009"/>
+                </a:lnTo>
+                <a:cubicBezTo>
+                  <a:pt x="699120" y="2009"/>
+                  <a:pt x="717370" y="8707"/>
+                  <a:pt x="729090" y="22101"/>
+                </a:cubicBezTo>
+                <a:cubicBezTo>
+                  <a:pt x="740810" y="35496"/>
+                  <a:pt x="746670" y="57597"/>
+                  <a:pt x="746670" y="88404"/>
+                </a:cubicBezTo>
+                <a:cubicBezTo>
+                  <a:pt x="746670" y="119211"/>
+                  <a:pt x="740140" y="141145"/>
+                  <a:pt x="727081" y="154205"/>
+                </a:cubicBezTo>
+                <a:cubicBezTo>
+                  <a:pt x="714021" y="167264"/>
+                  <a:pt x="696441" y="173794"/>
+                  <a:pt x="674340" y="173794"/>
+                </a:cubicBezTo>
+                <a:lnTo>
+                  <a:pt x="640184" y="173794"/>
+                </a:lnTo>
+                <a:close/>
+                <a:moveTo>
+                  <a:pt x="383009" y="2009"/>
+                </a:moveTo>
+                <a:lnTo>
+                  <a:pt x="433238" y="2009"/>
+                </a:lnTo>
+                <a:cubicBezTo>
+                  <a:pt x="449312" y="2009"/>
+                  <a:pt x="462371" y="5860"/>
+                  <a:pt x="472417" y="13562"/>
+                </a:cubicBezTo>
+                <a:cubicBezTo>
+                  <a:pt x="482463" y="21264"/>
+                  <a:pt x="487486" y="33821"/>
+                  <a:pt x="487486" y="51234"/>
+                </a:cubicBezTo>
+                <a:cubicBezTo>
+                  <a:pt x="487486" y="64629"/>
+                  <a:pt x="484137" y="75010"/>
+                  <a:pt x="477440" y="82377"/>
+                </a:cubicBezTo>
+                <a:cubicBezTo>
+                  <a:pt x="470743" y="89743"/>
+                  <a:pt x="463041" y="94432"/>
+                  <a:pt x="454335" y="96441"/>
+                </a:cubicBezTo>
+                <a:lnTo>
+                  <a:pt x="492509" y="173794"/>
+                </a:lnTo>
+                <a:lnTo>
+                  <a:pt x="468399" y="173794"/>
+                </a:lnTo>
+                <a:lnTo>
+                  <a:pt x="432234" y="99455"/>
+                </a:lnTo>
+                <a:lnTo>
+                  <a:pt x="406114" y="99455"/>
+                </a:lnTo>
+                <a:lnTo>
+                  <a:pt x="406114" y="173794"/>
+                </a:lnTo>
+                <a:lnTo>
+                  <a:pt x="383009" y="173794"/>
+                </a:lnTo>
+                <a:close/>
+                <a:moveTo>
+                  <a:pt x="135359" y="2009"/>
+                </a:moveTo>
+                <a:lnTo>
+                  <a:pt x="238831" y="2009"/>
+                </a:lnTo>
+                <a:lnTo>
+                  <a:pt x="238831" y="21097"/>
+                </a:lnTo>
+                <a:lnTo>
+                  <a:pt x="198648" y="21097"/>
+                </a:lnTo>
+                <a:lnTo>
+                  <a:pt x="198648" y="173794"/>
+                </a:lnTo>
+                <a:lnTo>
+                  <a:pt x="175542" y="173794"/>
+                </a:lnTo>
+                <a:lnTo>
+                  <a:pt x="175542" y="21097"/>
+                </a:lnTo>
+                <a:lnTo>
+                  <a:pt x="135359" y="21097"/>
+                </a:lnTo>
+                <a:close/>
+                <a:moveTo>
+                  <a:pt x="1063376" y="0"/>
+                </a:moveTo>
+                <a:lnTo>
+                  <a:pt x="1083468" y="0"/>
+                </a:lnTo>
+                <a:lnTo>
+                  <a:pt x="1133698" y="173794"/>
+                </a:lnTo>
+                <a:lnTo>
+                  <a:pt x="1109588" y="173794"/>
+                </a:lnTo>
+                <a:lnTo>
+                  <a:pt x="1095523" y="120551"/>
+                </a:lnTo>
+                <a:lnTo>
+                  <a:pt x="1051321" y="120551"/>
+                </a:lnTo>
+                <a:lnTo>
+                  <a:pt x="1037257" y="173794"/>
+                </a:lnTo>
+                <a:lnTo>
+                  <a:pt x="1013147" y="173794"/>
+                </a:lnTo>
+                <a:close/>
+                <a:moveTo>
+                  <a:pt x="301377" y="0"/>
+                </a:moveTo>
+                <a:lnTo>
+                  <a:pt x="321468" y="0"/>
+                </a:lnTo>
+                <a:lnTo>
+                  <a:pt x="371698" y="173794"/>
+                </a:lnTo>
+                <a:lnTo>
+                  <a:pt x="347588" y="173794"/>
+                </a:lnTo>
+                <a:lnTo>
+                  <a:pt x="333523" y="120551"/>
+                </a:lnTo>
+                <a:lnTo>
+                  <a:pt x="289321" y="120551"/>
+                </a:lnTo>
+                <a:lnTo>
+                  <a:pt x="275257" y="173794"/>
+                </a:lnTo>
+                <a:lnTo>
+                  <a:pt x="251147" y="173794"/>
+                </a:lnTo>
+                <a:close/>
+                <a:moveTo>
+                  <a:pt x="53243" y="0"/>
+                </a:moveTo>
+                <a:cubicBezTo>
+                  <a:pt x="70656" y="0"/>
+                  <a:pt x="83213" y="5191"/>
+                  <a:pt x="90915" y="15571"/>
+                </a:cubicBezTo>
+                <a:cubicBezTo>
+                  <a:pt x="98617" y="25952"/>
+                  <a:pt x="102468" y="37170"/>
+                  <a:pt x="102468" y="49225"/>
+                </a:cubicBezTo>
+                <a:lnTo>
+                  <a:pt x="79362" y="49225"/>
+                </a:lnTo>
+                <a:cubicBezTo>
+                  <a:pt x="80032" y="41858"/>
+                  <a:pt x="78023" y="35161"/>
+                  <a:pt x="73335" y="29133"/>
+                </a:cubicBezTo>
+                <a:cubicBezTo>
+                  <a:pt x="68647" y="23106"/>
+                  <a:pt x="61949" y="20092"/>
+                  <a:pt x="53243" y="20092"/>
+                </a:cubicBezTo>
+                <a:cubicBezTo>
+                  <a:pt x="45206" y="20092"/>
+                  <a:pt x="38844" y="22269"/>
+                  <a:pt x="34156" y="26622"/>
+                </a:cubicBezTo>
+                <a:cubicBezTo>
+                  <a:pt x="29468" y="30975"/>
+                  <a:pt x="27124" y="36835"/>
+                  <a:pt x="27124" y="44202"/>
+                </a:cubicBezTo>
+                <a:cubicBezTo>
+                  <a:pt x="27124" y="50230"/>
+                  <a:pt x="28965" y="55420"/>
+                  <a:pt x="32649" y="59773"/>
+                </a:cubicBezTo>
+                <a:cubicBezTo>
+                  <a:pt x="36332" y="64126"/>
+                  <a:pt x="45876" y="69317"/>
+                  <a:pt x="61280" y="75344"/>
+                </a:cubicBezTo>
+                <a:cubicBezTo>
+                  <a:pt x="76014" y="81372"/>
+                  <a:pt x="87399" y="88571"/>
+                  <a:pt x="95436" y="96943"/>
+                </a:cubicBezTo>
+                <a:cubicBezTo>
+                  <a:pt x="103472" y="105315"/>
+                  <a:pt x="107491" y="114858"/>
+                  <a:pt x="107491" y="125574"/>
+                </a:cubicBezTo>
+                <a:cubicBezTo>
+                  <a:pt x="107491" y="140978"/>
+                  <a:pt x="102635" y="153200"/>
+                  <a:pt x="92924" y="162241"/>
+                </a:cubicBezTo>
+                <a:cubicBezTo>
+                  <a:pt x="83213" y="171283"/>
+                  <a:pt x="69986" y="175803"/>
+                  <a:pt x="53243" y="175803"/>
+                </a:cubicBezTo>
+                <a:cubicBezTo>
+                  <a:pt x="36500" y="175803"/>
+                  <a:pt x="23440" y="171115"/>
+                  <a:pt x="14064" y="161739"/>
+                </a:cubicBezTo>
+                <a:cubicBezTo>
+                  <a:pt x="4688" y="152363"/>
+                  <a:pt x="0" y="140643"/>
+                  <a:pt x="0" y="126578"/>
+                </a:cubicBezTo>
+                <a:lnTo>
+                  <a:pt x="0" y="119546"/>
+                </a:lnTo>
+                <a:lnTo>
+                  <a:pt x="23105" y="119546"/>
+                </a:lnTo>
+                <a:lnTo>
+                  <a:pt x="23105" y="125574"/>
+                </a:lnTo>
+                <a:cubicBezTo>
+                  <a:pt x="23105" y="135620"/>
+                  <a:pt x="26119" y="143322"/>
+                  <a:pt x="32146" y="148679"/>
+                </a:cubicBezTo>
+                <a:cubicBezTo>
+                  <a:pt x="38174" y="154037"/>
+                  <a:pt x="45206" y="156716"/>
+                  <a:pt x="53243" y="156716"/>
+                </a:cubicBezTo>
+                <a:cubicBezTo>
+                  <a:pt x="63958" y="156716"/>
+                  <a:pt x="71828" y="153870"/>
+                  <a:pt x="76851" y="148177"/>
+                </a:cubicBezTo>
+                <a:cubicBezTo>
+                  <a:pt x="81874" y="142484"/>
+                  <a:pt x="84385" y="135620"/>
+                  <a:pt x="84385" y="127583"/>
+                </a:cubicBezTo>
+                <a:cubicBezTo>
+                  <a:pt x="84385" y="120886"/>
+                  <a:pt x="81371" y="114691"/>
+                  <a:pt x="75344" y="108998"/>
+                </a:cubicBezTo>
+                <a:cubicBezTo>
+                  <a:pt x="69316" y="103305"/>
+                  <a:pt x="60610" y="98115"/>
+                  <a:pt x="49224" y="93427"/>
+                </a:cubicBezTo>
+                <a:cubicBezTo>
+                  <a:pt x="33151" y="87399"/>
+                  <a:pt x="21598" y="80702"/>
+                  <a:pt x="14566" y="73335"/>
+                </a:cubicBezTo>
+                <a:cubicBezTo>
+                  <a:pt x="7534" y="65968"/>
+                  <a:pt x="4018" y="57262"/>
+                  <a:pt x="4018" y="47216"/>
+                </a:cubicBezTo>
+                <a:cubicBezTo>
+                  <a:pt x="4018" y="33152"/>
+                  <a:pt x="8873" y="21766"/>
+                  <a:pt x="18584" y="13060"/>
+                </a:cubicBezTo>
+                <a:cubicBezTo>
+                  <a:pt x="28296" y="4353"/>
+                  <a:pt x="39848" y="0"/>
+                  <a:pt x="53243" y="0"/>
+                </a:cubicBezTo>
+                <a:close/>
+              </a:path>
+            </a:pathLst>
+          </a:custGeom>
+          <a:solidFill>
+            <a:schemeClr val="tx1"/>
+          </a:solidFill>
+          <a:ln>
+            <a:noFill/>
+          </a:ln>
+          <a:effectLst/>
+        </p:spPr>
+        <p:txBody>
+          <a:bodyPr rot="0" spcFirstLastPara="0" vertOverflow="overflow" horzOverflow="overflow" vert="horz" wrap="square" lIns="91440" tIns="45720" rIns="91440" bIns="45720" numCol="1" spcCol="0" rtlCol="0" fromWordArt="0" anchor="t" anchorCtr="0" forceAA="0" compatLnSpc="1">
+            <a:prstTxWarp prst="textNoShape">
+              <a:avLst/>
+            </a:prstTxWarp>
+            <a:noAutofit/>
+          </a:bodyPr>
+          <a:lstStyle/>
+          <a:p>
+            <a:pPr algn="ctr"/>
+            <a:endParaRPr lang="zh-CN" altLang="en-US" sz="2000" dirty="0">
+              <a:latin typeface="黑体" panose="02010609060101010101" pitchFamily="49" charset="-122"/>
+              <a:ea typeface="黑体" panose="02010609060101010101" pitchFamily="49" charset="-122"/>
+            </a:endParaRPr>
+          </a:p>
+        </p:txBody>
+      </p:sp>
     </p:spTree>
     <p:extLst>
       <p:ext uri="{BB962C8B-B14F-4D97-AF65-F5344CB8AC3E}">
